--- a/presentation/presentation-2.pptx
+++ b/presentation/presentation-2.pptx
@@ -7739,13 +7739,8 @@
             </a:r>
             <a:r>
               <a:rPr lang="fr-CH" dirty="0" smtClean="0"/>
-              <a:t>– Atelier Application – </a:t>
-            </a:r>
-            <a:r>
-              <a:rPr lang="fr-CH" dirty="0" smtClean="0"/>
-              <a:t>23.05.2018</a:t>
-            </a:r>
-            <a:endParaRPr lang="fr-CH" dirty="0" smtClean="0"/>
+              <a:t>– Atelier Application – 23.05.2018</a:t>
+            </a:r>
           </a:p>
         </p:txBody>
       </p:sp>
@@ -7858,7 +7853,6 @@
               <a:rPr lang="fr-CH" dirty="0" smtClean="0"/>
               <a:t>Rappel de la V1</a:t>
             </a:r>
-            <a:endParaRPr lang="fr-CH" dirty="0" smtClean="0"/>
           </a:p>
           <a:p>
             <a:pPr>
@@ -7870,7 +7864,6 @@
               <a:rPr lang="fr-CH" dirty="0" smtClean="0"/>
               <a:t>Nouveautés</a:t>
             </a:r>
-            <a:endParaRPr lang="fr-CH" dirty="0" smtClean="0"/>
           </a:p>
           <a:p>
             <a:pPr>
@@ -7882,7 +7875,6 @@
               <a:rPr lang="fr-CH" dirty="0" smtClean="0"/>
               <a:t>Problèmes</a:t>
             </a:r>
-            <a:endParaRPr lang="fr-CH" dirty="0" smtClean="0"/>
           </a:p>
           <a:p>
             <a:pPr>
@@ -8031,7 +8023,11 @@
             </a:pPr>
             <a:r>
               <a:rPr lang="fr-CH" dirty="0" smtClean="0"/>
-              <a:t>Envoie d’une humeur</a:t>
+              <a:t>Envoi </a:t>
+            </a:r>
+            <a:r>
+              <a:rPr lang="fr-CH" dirty="0" smtClean="0"/>
+              <a:t>d’une humeur</a:t>
             </a:r>
           </a:p>
           <a:p>
@@ -8042,9 +8038,12 @@
             </a:pPr>
             <a:r>
               <a:rPr lang="fr-CH" dirty="0" smtClean="0"/>
-              <a:t>Envoie d’un commentaire</a:t>
-            </a:r>
-            <a:endParaRPr lang="fr-CH" dirty="0" smtClean="0"/>
+              <a:t>Envoi </a:t>
+            </a:r>
+            <a:r>
+              <a:rPr lang="fr-CH" dirty="0" smtClean="0"/>
+              <a:t>d’un commentaire</a:t>
+            </a:r>
           </a:p>
         </p:txBody>
       </p:sp>
@@ -8166,7 +8165,6 @@
               <a:rPr lang="fr-CH" dirty="0" smtClean="0"/>
               <a:t>…</a:t>
             </a:r>
-            <a:endParaRPr lang="fr-CH" dirty="0" smtClean="0"/>
           </a:p>
         </p:txBody>
       </p:sp>
